--- a/UNDER DEVELOPMENT/OPAR Version 2/JESTER/OPARTGT009_DAMASCUS_N_AMMUNITION_FACTORY.pptx
+++ b/UNDER DEVELOPMENT/OPAR Version 2/JESTER/OPARTGT009_DAMASCUS_N_AMMUNITION_FACTORY.pptx
@@ -4578,13 +4578,13 @@
         </p:spPr>
         <p:txBody>
           <a:bodyPr wrap="square" rtlCol="0">
-            <a:normAutofit fontScale="85000" lnSpcReduction="10000"/>
+            <a:normAutofit fontScale="85000" lnSpcReduction="20000"/>
           </a:bodyPr>
           <a:lstStyle/>
           <a:p>
             <a:r>
               <a:rPr lang="en-US" sz="1200" dirty="0"/>
-              <a:t>Civilian housing within 100m N and S of facility. Religiously significant building 200m N of facility boundary.</a:t>
+              <a:t>CDC - Civilian housing within 100m N and S of facility. Religiously significant building 200m N of facility boundary.</a:t>
             </a:r>
           </a:p>
         </p:txBody>
@@ -6292,6 +6292,342 @@
           </a:effectRef>
           <a:fontRef idx="minor">
             <a:schemeClr val="accent2"/>
+          </a:fontRef>
+        </p:style>
+        <p:txBody>
+          <a:bodyPr rtlCol="0" anchor="ctr"/>
+          <a:lstStyle/>
+          <a:p>
+            <a:pPr algn="ctr"/>
+            <a:endParaRPr lang="is-IS"/>
+          </a:p>
+        </p:txBody>
+      </p:sp>
+      <p:sp>
+        <p:nvSpPr>
+          <p:cNvPr id="1040" name="Freeform: Shape 1039">
+            <a:extLst>
+              <a:ext uri="{FF2B5EF4-FFF2-40B4-BE49-F238E27FC236}">
+                <a16:creationId xmlns:a16="http://schemas.microsoft.com/office/drawing/2014/main" id="{F3366ECC-DE30-450C-9E36-7B07C99FFEE1}"/>
+              </a:ext>
+            </a:extLst>
+          </p:cNvPr>
+          <p:cNvSpPr/>
+          <p:nvPr/>
+        </p:nvSpPr>
+        <p:spPr>
+          <a:xfrm>
+            <a:off x="1481394" y="3277419"/>
+            <a:ext cx="3051277" cy="1376516"/>
+          </a:xfrm>
+          <a:custGeom>
+            <a:avLst/>
+            <a:gdLst>
+              <a:gd name="connsiteX0" fmla="*/ 0 w 3051277"/>
+              <a:gd name="connsiteY0" fmla="*/ 1124155 h 1376516"/>
+              <a:gd name="connsiteX1" fmla="*/ 1933677 w 3051277"/>
+              <a:gd name="connsiteY1" fmla="*/ 314633 h 1376516"/>
+              <a:gd name="connsiteX2" fmla="*/ 2494116 w 3051277"/>
+              <a:gd name="connsiteY2" fmla="*/ 0 h 1376516"/>
+              <a:gd name="connsiteX3" fmla="*/ 2848077 w 3051277"/>
+              <a:gd name="connsiteY3" fmla="*/ 314633 h 1376516"/>
+              <a:gd name="connsiteX4" fmla="*/ 3051277 w 3051277"/>
+              <a:gd name="connsiteY4" fmla="*/ 848852 h 1376516"/>
+              <a:gd name="connsiteX5" fmla="*/ 2635045 w 3051277"/>
+              <a:gd name="connsiteY5" fmla="*/ 1133987 h 1376516"/>
+              <a:gd name="connsiteX6" fmla="*/ 2363019 w 3051277"/>
+              <a:gd name="connsiteY6" fmla="*/ 1360129 h 1376516"/>
+              <a:gd name="connsiteX7" fmla="*/ 3277 w 3051277"/>
+              <a:gd name="connsiteY7" fmla="*/ 1376516 h 1376516"/>
+              <a:gd name="connsiteX8" fmla="*/ 0 w 3051277"/>
+              <a:gd name="connsiteY8" fmla="*/ 1124155 h 1376516"/>
+            </a:gdLst>
+            <a:ahLst/>
+            <a:cxnLst>
+              <a:cxn ang="0">
+                <a:pos x="connsiteX0" y="connsiteY0"/>
+              </a:cxn>
+              <a:cxn ang="0">
+                <a:pos x="connsiteX1" y="connsiteY1"/>
+              </a:cxn>
+              <a:cxn ang="0">
+                <a:pos x="connsiteX2" y="connsiteY2"/>
+              </a:cxn>
+              <a:cxn ang="0">
+                <a:pos x="connsiteX3" y="connsiteY3"/>
+              </a:cxn>
+              <a:cxn ang="0">
+                <a:pos x="connsiteX4" y="connsiteY4"/>
+              </a:cxn>
+              <a:cxn ang="0">
+                <a:pos x="connsiteX5" y="connsiteY5"/>
+              </a:cxn>
+              <a:cxn ang="0">
+                <a:pos x="connsiteX6" y="connsiteY6"/>
+              </a:cxn>
+              <a:cxn ang="0">
+                <a:pos x="connsiteX7" y="connsiteY7"/>
+              </a:cxn>
+              <a:cxn ang="0">
+                <a:pos x="connsiteX8" y="connsiteY8"/>
+              </a:cxn>
+            </a:cxnLst>
+            <a:rect l="l" t="t" r="r" b="b"/>
+            <a:pathLst>
+              <a:path w="3051277" h="1376516">
+                <a:moveTo>
+                  <a:pt x="0" y="1124155"/>
+                </a:moveTo>
+                <a:lnTo>
+                  <a:pt x="1933677" y="314633"/>
+                </a:lnTo>
+                <a:lnTo>
+                  <a:pt x="2494116" y="0"/>
+                </a:lnTo>
+                <a:lnTo>
+                  <a:pt x="2848077" y="314633"/>
+                </a:lnTo>
+                <a:lnTo>
+                  <a:pt x="3051277" y="848852"/>
+                </a:lnTo>
+                <a:lnTo>
+                  <a:pt x="2635045" y="1133987"/>
+                </a:lnTo>
+                <a:lnTo>
+                  <a:pt x="2363019" y="1360129"/>
+                </a:lnTo>
+                <a:lnTo>
+                  <a:pt x="3277" y="1376516"/>
+                </a:lnTo>
+                <a:cubicBezTo>
+                  <a:pt x="2185" y="1292396"/>
+                  <a:pt x="1092" y="1208275"/>
+                  <a:pt x="0" y="1124155"/>
+                </a:cubicBezTo>
+                <a:close/>
+              </a:path>
+            </a:pathLst>
+          </a:custGeom>
+          <a:solidFill>
+            <a:srgbClr val="FF0000">
+              <a:alpha val="32000"/>
+            </a:srgbClr>
+          </a:solidFill>
+          <a:ln w="6350">
+            <a:solidFill>
+              <a:srgbClr val="FF0000"/>
+            </a:solidFill>
+          </a:ln>
+        </p:spPr>
+        <p:style>
+          <a:lnRef idx="2">
+            <a:schemeClr val="accent1">
+              <a:shade val="50000"/>
+            </a:schemeClr>
+          </a:lnRef>
+          <a:fillRef idx="1">
+            <a:schemeClr val="accent1"/>
+          </a:fillRef>
+          <a:effectRef idx="0">
+            <a:schemeClr val="accent1"/>
+          </a:effectRef>
+          <a:fontRef idx="minor">
+            <a:schemeClr val="lt1"/>
+          </a:fontRef>
+        </p:style>
+        <p:txBody>
+          <a:bodyPr rtlCol="0" anchor="ctr"/>
+          <a:lstStyle/>
+          <a:p>
+            <a:pPr algn="ctr"/>
+            <a:endParaRPr lang="is-IS"/>
+          </a:p>
+        </p:txBody>
+      </p:sp>
+      <p:sp>
+        <p:nvSpPr>
+          <p:cNvPr id="1041" name="Freeform: Shape 1040">
+            <a:extLst>
+              <a:ext uri="{FF2B5EF4-FFF2-40B4-BE49-F238E27FC236}">
+                <a16:creationId xmlns:a16="http://schemas.microsoft.com/office/drawing/2014/main" id="{520698F3-3040-4AFE-92C3-FBCF7AC22CBD}"/>
+              </a:ext>
+            </a:extLst>
+          </p:cNvPr>
+          <p:cNvSpPr/>
+          <p:nvPr/>
+        </p:nvSpPr>
+        <p:spPr>
+          <a:xfrm>
+            <a:off x="2081161" y="855406"/>
+            <a:ext cx="2880852" cy="1202813"/>
+          </a:xfrm>
+          <a:custGeom>
+            <a:avLst/>
+            <a:gdLst>
+              <a:gd name="connsiteX0" fmla="*/ 91768 w 2880852"/>
+              <a:gd name="connsiteY0" fmla="*/ 1189704 h 1202813"/>
+              <a:gd name="connsiteX1" fmla="*/ 704645 w 2880852"/>
+              <a:gd name="connsiteY1" fmla="*/ 1035665 h 1202813"/>
+              <a:gd name="connsiteX2" fmla="*/ 1068439 w 2880852"/>
+              <a:gd name="connsiteY2" fmla="*/ 950452 h 1202813"/>
+              <a:gd name="connsiteX3" fmla="*/ 1081549 w 2880852"/>
+              <a:gd name="connsiteY3" fmla="*/ 1032388 h 1202813"/>
+              <a:gd name="connsiteX4" fmla="*/ 2605549 w 2880852"/>
+              <a:gd name="connsiteY4" fmla="*/ 704646 h 1202813"/>
+              <a:gd name="connsiteX5" fmla="*/ 2880852 w 2880852"/>
+              <a:gd name="connsiteY5" fmla="*/ 662039 h 1202813"/>
+              <a:gd name="connsiteX6" fmla="*/ 2821858 w 2880852"/>
+              <a:gd name="connsiteY6" fmla="*/ 537497 h 1202813"/>
+              <a:gd name="connsiteX7" fmla="*/ 1828800 w 2880852"/>
+              <a:gd name="connsiteY7" fmla="*/ 137652 h 1202813"/>
+              <a:gd name="connsiteX8" fmla="*/ 1553497 w 2880852"/>
+              <a:gd name="connsiteY8" fmla="*/ 0 h 1202813"/>
+              <a:gd name="connsiteX9" fmla="*/ 1409291 w 2880852"/>
+              <a:gd name="connsiteY9" fmla="*/ 22942 h 1202813"/>
+              <a:gd name="connsiteX10" fmla="*/ 796413 w 2880852"/>
+              <a:gd name="connsiteY10" fmla="*/ 344129 h 1202813"/>
+              <a:gd name="connsiteX11" fmla="*/ 612878 w 2880852"/>
+              <a:gd name="connsiteY11" fmla="*/ 481781 h 1202813"/>
+              <a:gd name="connsiteX12" fmla="*/ 406400 w 2880852"/>
+              <a:gd name="connsiteY12" fmla="*/ 560439 h 1202813"/>
+              <a:gd name="connsiteX13" fmla="*/ 111433 w 2880852"/>
+              <a:gd name="connsiteY13" fmla="*/ 658762 h 1202813"/>
+              <a:gd name="connsiteX14" fmla="*/ 0 w 2880852"/>
+              <a:gd name="connsiteY14" fmla="*/ 1202813 h 1202813"/>
+              <a:gd name="connsiteX15" fmla="*/ 91768 w 2880852"/>
+              <a:gd name="connsiteY15" fmla="*/ 1189704 h 1202813"/>
+            </a:gdLst>
+            <a:ahLst/>
+            <a:cxnLst>
+              <a:cxn ang="0">
+                <a:pos x="connsiteX0" y="connsiteY0"/>
+              </a:cxn>
+              <a:cxn ang="0">
+                <a:pos x="connsiteX1" y="connsiteY1"/>
+              </a:cxn>
+              <a:cxn ang="0">
+                <a:pos x="connsiteX2" y="connsiteY2"/>
+              </a:cxn>
+              <a:cxn ang="0">
+                <a:pos x="connsiteX3" y="connsiteY3"/>
+              </a:cxn>
+              <a:cxn ang="0">
+                <a:pos x="connsiteX4" y="connsiteY4"/>
+              </a:cxn>
+              <a:cxn ang="0">
+                <a:pos x="connsiteX5" y="connsiteY5"/>
+              </a:cxn>
+              <a:cxn ang="0">
+                <a:pos x="connsiteX6" y="connsiteY6"/>
+              </a:cxn>
+              <a:cxn ang="0">
+                <a:pos x="connsiteX7" y="connsiteY7"/>
+              </a:cxn>
+              <a:cxn ang="0">
+                <a:pos x="connsiteX8" y="connsiteY8"/>
+              </a:cxn>
+              <a:cxn ang="0">
+                <a:pos x="connsiteX9" y="connsiteY9"/>
+              </a:cxn>
+              <a:cxn ang="0">
+                <a:pos x="connsiteX10" y="connsiteY10"/>
+              </a:cxn>
+              <a:cxn ang="0">
+                <a:pos x="connsiteX11" y="connsiteY11"/>
+              </a:cxn>
+              <a:cxn ang="0">
+                <a:pos x="connsiteX12" y="connsiteY12"/>
+              </a:cxn>
+              <a:cxn ang="0">
+                <a:pos x="connsiteX13" y="connsiteY13"/>
+              </a:cxn>
+              <a:cxn ang="0">
+                <a:pos x="connsiteX14" y="connsiteY14"/>
+              </a:cxn>
+              <a:cxn ang="0">
+                <a:pos x="connsiteX15" y="connsiteY15"/>
+              </a:cxn>
+            </a:cxnLst>
+            <a:rect l="l" t="t" r="r" b="b"/>
+            <a:pathLst>
+              <a:path w="2880852" h="1202813">
+                <a:moveTo>
+                  <a:pt x="91768" y="1189704"/>
+                </a:moveTo>
+                <a:lnTo>
+                  <a:pt x="704645" y="1035665"/>
+                </a:lnTo>
+                <a:lnTo>
+                  <a:pt x="1068439" y="950452"/>
+                </a:lnTo>
+                <a:lnTo>
+                  <a:pt x="1081549" y="1032388"/>
+                </a:lnTo>
+                <a:lnTo>
+                  <a:pt x="2605549" y="704646"/>
+                </a:lnTo>
+                <a:lnTo>
+                  <a:pt x="2880852" y="662039"/>
+                </a:lnTo>
+                <a:lnTo>
+                  <a:pt x="2821858" y="537497"/>
+                </a:lnTo>
+                <a:lnTo>
+                  <a:pt x="1828800" y="137652"/>
+                </a:lnTo>
+                <a:lnTo>
+                  <a:pt x="1553497" y="0"/>
+                </a:lnTo>
+                <a:lnTo>
+                  <a:pt x="1409291" y="22942"/>
+                </a:lnTo>
+                <a:lnTo>
+                  <a:pt x="796413" y="344129"/>
+                </a:lnTo>
+                <a:lnTo>
+                  <a:pt x="612878" y="481781"/>
+                </a:lnTo>
+                <a:lnTo>
+                  <a:pt x="406400" y="560439"/>
+                </a:lnTo>
+                <a:lnTo>
+                  <a:pt x="111433" y="658762"/>
+                </a:lnTo>
+                <a:lnTo>
+                  <a:pt x="0" y="1202813"/>
+                </a:lnTo>
+                <a:lnTo>
+                  <a:pt x="91768" y="1189704"/>
+                </a:lnTo>
+                <a:close/>
+              </a:path>
+            </a:pathLst>
+          </a:custGeom>
+          <a:solidFill>
+            <a:srgbClr val="FF0000">
+              <a:alpha val="19000"/>
+            </a:srgbClr>
+          </a:solidFill>
+          <a:ln w="6350">
+            <a:solidFill>
+              <a:srgbClr val="FF0000"/>
+            </a:solidFill>
+          </a:ln>
+        </p:spPr>
+        <p:style>
+          <a:lnRef idx="2">
+            <a:schemeClr val="accent1">
+              <a:shade val="50000"/>
+            </a:schemeClr>
+          </a:lnRef>
+          <a:fillRef idx="1">
+            <a:schemeClr val="accent1"/>
+          </a:fillRef>
+          <a:effectRef idx="0">
+            <a:schemeClr val="accent1"/>
+          </a:effectRef>
+          <a:fontRef idx="minor">
+            <a:schemeClr val="lt1"/>
           </a:fontRef>
         </p:style>
         <p:txBody>
